--- a/PPT/(珠海移动0408)基于大数据的智 慧网络运 维平台- 20180408V1.pptx
+++ b/PPT/(珠海移动0408)基于大数据的智 慧网络运 维平台- 20180408V1.pptx
@@ -241,7 +241,7 @@
             <a:fld id="{D2A48B96-639E-45A3-A0BA-2464DFDB1FAA}" type="datetimeFigureOut">
               <a:rPr lang="zh-CN" altLang="en-US" smtClean="0"/>
               <a:pPr/>
-              <a:t>2018/4/10</a:t>
+              <a:t>2018/4/11</a:t>
             </a:fld>
             <a:endParaRPr lang="zh-CN" altLang="en-US"/>
           </a:p>
